--- a/Presentations/QMDR_presentation_quantitative_traits.pptx
+++ b/Presentations/QMDR_presentation_quantitative_traits.pptx
@@ -8,7 +8,7 @@
     <p:notesMasterId r:id="rId4"/>
   </p:notesMasterIdLst>
   <p:handoutMasterIdLst>
-    <p:handoutMasterId r:id="rId10"/>
+    <p:handoutMasterId r:id="rId11"/>
   </p:handoutMasterIdLst>
   <p:sldIdLst>
     <p:sldId id="258" r:id="rId3"/>
@@ -17,29 +17,30 @@
     <p:sldId id="304" r:id="rId7"/>
     <p:sldId id="305" r:id="rId8"/>
     <p:sldId id="458" r:id="rId9"/>
+    <p:sldId id="459" r:id="rId10"/>
   </p:sldIdLst>
   <p:sldSz cx="9144000" cy="5143500" type="screen16x9"/>
   <p:notesSz cx="6858000" cy="9144000"/>
   <p:embeddedFontLst>
     <p:embeddedFont>
       <p:font typeface="Segoe Print" panose="02000600000000000000" charset="0"/>
-      <p:regular r:id="rId15"/>
-      <p:bold r:id="rId16"/>
+      <p:regular r:id="rId16"/>
+      <p:bold r:id="rId17"/>
     </p:embeddedFont>
     <p:embeddedFont>
       <p:font typeface="Bahnschrift SemiLight" panose="020B0502040204020203" pitchFamily="34" charset="0"/>
-      <p:regular r:id="rId17"/>
+      <p:regular r:id="rId18"/>
     </p:embeddedFont>
     <p:embeddedFont>
       <p:font typeface="Century Gothic" panose="020B0502020202020204" charset="0"/>
-      <p:regular r:id="rId18"/>
+      <p:regular r:id="rId19"/>
     </p:embeddedFont>
     <p:embeddedFont>
       <p:font typeface="Calibri" panose="020F0502020204030204" charset="0"/>
-      <p:regular r:id="rId19"/>
-      <p:bold r:id="rId20"/>
-      <p:italic r:id="rId21"/>
-      <p:boldItalic r:id="rId22"/>
+      <p:regular r:id="rId20"/>
+      <p:bold r:id="rId21"/>
+      <p:italic r:id="rId22"/>
+      <p:boldItalic r:id="rId23"/>
     </p:embeddedFont>
   </p:embeddedFontLst>
   <p:defaultTextStyle>
@@ -1268,6 +1269,109 @@
 </file>
 
 <file path=ppt/notesSlides/notesSlide6.xml><?xml version="1.0" encoding="utf-8"?>
+<p:notes xmlns:a="http://schemas.openxmlformats.org/drawingml/2006/main" xmlns:r="http://schemas.openxmlformats.org/officeDocument/2006/relationships" xmlns:p="http://schemas.openxmlformats.org/presentationml/2006/main" showMasterPhAnim="0" showMasterSp="0">
+  <p:cSld>
+    <p:spTree>
+      <p:nvGrpSpPr>
+        <p:cNvPr id="1" name="Shape 336"/>
+        <p:cNvGrpSpPr/>
+        <p:nvPr/>
+      </p:nvGrpSpPr>
+      <p:grpSpPr>
+        <a:xfrm>
+          <a:off x="0" y="0"/>
+          <a:ext cx="0" cy="0"/>
+          <a:chOff x="0" y="0"/>
+          <a:chExt cx="0" cy="0"/>
+        </a:xfrm>
+      </p:grpSpPr>
+      <p:sp>
+        <p:nvSpPr>
+          <p:cNvPr id="337" name="Google Shape;337;g80837efc84_1_25:notes"/>
+          <p:cNvSpPr>
+            <a:spLocks noGrp="1" noRot="1" noChangeAspect="1"/>
+          </p:cNvSpPr>
+          <p:nvPr>
+            <p:ph type="sldImg" idx="2"/>
+          </p:nvPr>
+        </p:nvSpPr>
+        <p:spPr>
+          <a:xfrm>
+            <a:off x="381000" y="685800"/>
+            <a:ext cx="6096000" cy="3429000"/>
+          </a:xfrm>
+          <a:custGeom>
+            <a:avLst/>
+            <a:gdLst/>
+            <a:ahLst/>
+            <a:cxnLst/>
+            <a:rect l="l" t="t" r="r" b="b"/>
+            <a:pathLst>
+              <a:path w="120000" h="120000" extrusionOk="0">
+                <a:moveTo>
+                  <a:pt x="0" y="0"/>
+                </a:moveTo>
+                <a:lnTo>
+                  <a:pt x="120000" y="0"/>
+                </a:lnTo>
+                <a:lnTo>
+                  <a:pt x="120000" y="120000"/>
+                </a:lnTo>
+                <a:lnTo>
+                  <a:pt x="0" y="120000"/>
+                </a:lnTo>
+                <a:close/>
+              </a:path>
+            </a:pathLst>
+          </a:custGeom>
+        </p:spPr>
+      </p:sp>
+      <p:sp>
+        <p:nvSpPr>
+          <p:cNvPr id="338" name="Google Shape;338;g80837efc84_1_25:notes"/>
+          <p:cNvSpPr txBox="1">
+            <a:spLocks noGrp="1"/>
+          </p:cNvSpPr>
+          <p:nvPr>
+            <p:ph type="body" idx="1"/>
+          </p:nvPr>
+        </p:nvSpPr>
+        <p:spPr>
+          <a:xfrm>
+            <a:off x="685800" y="4343400"/>
+            <a:ext cx="5486400" cy="4114800"/>
+          </a:xfrm>
+          <a:prstGeom prst="rect">
+            <a:avLst/>
+          </a:prstGeom>
+        </p:spPr>
+        <p:txBody>
+          <a:bodyPr spcFirstLastPara="1" wrap="square" lIns="91425" tIns="91425" rIns="91425" bIns="91425" anchor="t" anchorCtr="0">
+            <a:noAutofit/>
+          </a:bodyPr>
+          <a:lstStyle/>
+          <a:p>
+            <a:pPr marL="0" lvl="0" indent="0" algn="l" rtl="0">
+              <a:spcBef>
+                <a:spcPts val="0"/>
+              </a:spcBef>
+              <a:spcAft>
+                <a:spcPts val="0"/>
+              </a:spcAft>
+              <a:buNone/>
+            </a:pPr>
+          </a:p>
+        </p:txBody>
+      </p:sp>
+    </p:spTree>
+  </p:cSld>
+  <p:clrMapOvr>
+    <a:masterClrMapping/>
+  </p:clrMapOvr>
+</p:notes>
+</file>
+
+<file path=ppt/notesSlides/notesSlide7.xml><?xml version="1.0" encoding="utf-8"?>
 <p:notes xmlns:a="http://schemas.openxmlformats.org/drawingml/2006/main" xmlns:r="http://schemas.openxmlformats.org/officeDocument/2006/relationships" xmlns:p="http://schemas.openxmlformats.org/presentationml/2006/main" showMasterPhAnim="0" showMasterSp="0">
   <p:cSld>
     <p:spTree>
@@ -8970,6 +9074,246 @@
               <a:buChar char="§"/>
             </a:pPr>
             <a:endParaRPr lang="it-IT" altLang="en-US" sz="1400" dirty="0">
+              <a:latin typeface="Bahnschrift SemiLight" panose="020B0502040204020203" pitchFamily="34" charset="0"/>
+            </a:endParaRPr>
+          </a:p>
+          <a:p>
+            <a:pPr marL="914400" lvl="2">
+              <a:buFont typeface="Wingdings" panose="05000000000000000000" pitchFamily="2" charset="2"/>
+            </a:pPr>
+            <a:endParaRPr lang="en-US" sz="1800" dirty="0">
+              <a:latin typeface="Bahnschrift SemiLight" panose="020B0502040204020203" pitchFamily="34" charset="0"/>
+            </a:endParaRPr>
+          </a:p>
+          <a:p>
+            <a:pPr marL="742950" lvl="1" indent="-285750">
+              <a:buFont typeface="Wingdings" panose="05000000000000000000" pitchFamily="2" charset="2"/>
+              <a:buChar char="§"/>
+            </a:pPr>
+            <a:endParaRPr lang="en-US" sz="1400" dirty="0">
+              <a:latin typeface="Bahnschrift SemiLight" panose="020B0502040204020203" pitchFamily="34" charset="0"/>
+            </a:endParaRPr>
+          </a:p>
+          <a:p>
+            <a:pPr marL="0" lvl="0" indent="0" algn="l" rtl="0">
+              <a:spcBef>
+                <a:spcPts val="600"/>
+              </a:spcBef>
+              <a:spcAft>
+                <a:spcPts val="0"/>
+              </a:spcAft>
+              <a:buNone/>
+            </a:pPr>
+            <a:endParaRPr lang="en-US" sz="1400" dirty="0">
+              <a:latin typeface="Bahnschrift SemiLight" panose="020B0502040204020203" pitchFamily="34" charset="0"/>
+              <a:ea typeface="Poppins" panose="00000500000000000000"/>
+              <a:cs typeface="Poppins" panose="00000500000000000000"/>
+              <a:sym typeface="Poppins" panose="00000500000000000000"/>
+            </a:endParaRPr>
+          </a:p>
+        </p:txBody>
+      </p:sp>
+      <p:sp>
+        <p:nvSpPr>
+          <p:cNvPr id="343" name="Google Shape;343;p16"/>
+          <p:cNvSpPr txBox="1">
+            <a:spLocks noGrp="1"/>
+          </p:cNvSpPr>
+          <p:nvPr>
+            <p:ph type="sldNum" sz="quarter" idx="12"/>
+          </p:nvPr>
+        </p:nvSpPr>
+        <p:spPr>
+          <a:prstGeom prst="rect">
+            <a:avLst/>
+          </a:prstGeom>
+        </p:spPr>
+        <p:txBody>
+          <a:bodyPr spcFirstLastPara="1" wrap="square" lIns="0" tIns="0" rIns="0" bIns="0" anchor="ctr" anchorCtr="0">
+            <a:noAutofit/>
+          </a:bodyPr>
+          <a:lstStyle/>
+          <a:p>
+            <a:pPr marL="0" lvl="0" indent="0" algn="ctr" rtl="0">
+              <a:spcBef>
+                <a:spcPts val="0"/>
+              </a:spcBef>
+              <a:spcAft>
+                <a:spcPts val="0"/>
+              </a:spcAft>
+              <a:buNone/>
+            </a:pPr>
+            <a:fld id="{00000000-1234-1234-1234-123412341234}" type="slidenum">
+              <a:rPr lang="en-GB"/>
+            </a:fld>
+            <a:endParaRPr lang="en-GB"/>
+          </a:p>
+        </p:txBody>
+      </p:sp>
+    </p:spTree>
+  </p:cSld>
+  <p:clrMapOvr>
+    <a:masterClrMapping/>
+  </p:clrMapOvr>
+  <p:transition>
+    <p:fade thruBlk="1"/>
+  </p:transition>
+</p:sld>
+</file>
+
+<file path=ppt/slides/slide7.xml><?xml version="1.0" encoding="utf-8"?>
+<p:sld xmlns:a="http://schemas.openxmlformats.org/drawingml/2006/main" xmlns:r="http://schemas.openxmlformats.org/officeDocument/2006/relationships" xmlns:p="http://schemas.openxmlformats.org/presentationml/2006/main">
+  <p:cSld>
+    <p:spTree>
+      <p:nvGrpSpPr>
+        <p:cNvPr id="1" name="Shape 339"/>
+        <p:cNvGrpSpPr/>
+        <p:nvPr/>
+      </p:nvGrpSpPr>
+      <p:grpSpPr>
+        <a:xfrm>
+          <a:off x="0" y="0"/>
+          <a:ext cx="0" cy="0"/>
+          <a:chOff x="0" y="0"/>
+          <a:chExt cx="0" cy="0"/>
+        </a:xfrm>
+      </p:grpSpPr>
+      <p:sp>
+        <p:nvSpPr>
+          <p:cNvPr id="340" name="Google Shape;340;p16"/>
+          <p:cNvSpPr txBox="1">
+            <a:spLocks noGrp="1"/>
+          </p:cNvSpPr>
+          <p:nvPr>
+            <p:ph type="title"/>
+          </p:nvPr>
+        </p:nvSpPr>
+        <p:spPr>
+          <a:xfrm>
+            <a:off x="784860" y="191770"/>
+            <a:ext cx="7514590" cy="315595"/>
+          </a:xfrm>
+          <a:prstGeom prst="rect">
+            <a:avLst/>
+          </a:prstGeom>
+        </p:spPr>
+        <p:txBody>
+          <a:bodyPr spcFirstLastPara="1" wrap="square" lIns="0" tIns="0" rIns="0" bIns="0" anchor="b" anchorCtr="0">
+            <a:noAutofit/>
+          </a:bodyPr>
+          <a:lstStyle/>
+          <a:p>
+            <a:r>
+              <a:rPr lang="it-IT" dirty="0">
+                <a:latin typeface="Bahnschrift SemiLight" panose="020B0502040204020203" pitchFamily="34" charset="0"/>
+                <a:sym typeface="+mn-ea"/>
+              </a:rPr>
+              <a:t>comments personal and solutions</a:t>
+            </a:r>
+            <a:endParaRPr lang="it-IT" dirty="0"/>
+          </a:p>
+        </p:txBody>
+      </p:sp>
+      <p:sp>
+        <p:nvSpPr>
+          <p:cNvPr id="342" name="Google Shape;342;p16"/>
+          <p:cNvSpPr txBox="1">
+            <a:spLocks noGrp="1"/>
+          </p:cNvSpPr>
+          <p:nvPr>
+            <p:ph type="body" sz="half" idx="2"/>
+          </p:nvPr>
+        </p:nvSpPr>
+        <p:spPr>
+          <a:xfrm>
+            <a:off x="662940" y="1176020"/>
+            <a:ext cx="7635875" cy="1371600"/>
+          </a:xfrm>
+          <a:prstGeom prst="rect">
+            <a:avLst/>
+          </a:prstGeom>
+        </p:spPr>
+        <p:txBody>
+          <a:bodyPr spcFirstLastPara="1" wrap="square" lIns="0" tIns="0" rIns="0" bIns="0" anchor="t" anchorCtr="0">
+            <a:noAutofit/>
+          </a:bodyPr>
+          <a:lstStyle/>
+          <a:p>
+            <a:pPr marL="800100" lvl="1" indent="-342900">
+              <a:buFont typeface="Wingdings" panose="05000000000000000000" pitchFamily="2" charset="2"/>
+              <a:buAutoNum type="arabicPeriod"/>
+            </a:pPr>
+            <a:r>
+              <a:rPr lang="it-IT" altLang="en-US" sz="1800" dirty="0">
+                <a:latin typeface="Bahnschrift SemiLight" panose="020B0502040204020203" pitchFamily="34" charset="0"/>
+              </a:rPr>
+              <a:t>reducting to two level [low, high level] seems reductive</a:t>
+            </a:r>
+            <a:endParaRPr lang="it-IT" altLang="en-US" sz="1800" dirty="0">
+              <a:latin typeface="Bahnschrift SemiLight" panose="020B0502040204020203" pitchFamily="34" charset="0"/>
+            </a:endParaRPr>
+          </a:p>
+          <a:p>
+            <a:pPr marL="800100" lvl="1" indent="-342900">
+              <a:buFont typeface="Wingdings" panose="05000000000000000000" pitchFamily="2" charset="2"/>
+              <a:buAutoNum type="arabicPeriod"/>
+            </a:pPr>
+            <a:r>
+              <a:rPr lang="it-IT" altLang="en-US" sz="1800" dirty="0">
+                <a:latin typeface="Bahnschrift SemiLight" panose="020B0502040204020203" pitchFamily="34" charset="0"/>
+              </a:rPr>
+              <a:t>using only t-statistic as score seems reductive</a:t>
+            </a:r>
+            <a:endParaRPr lang="it-IT" altLang="en-US" sz="1800" dirty="0">
+              <a:latin typeface="Bahnschrift SemiLight" panose="020B0502040204020203" pitchFamily="34" charset="0"/>
+            </a:endParaRPr>
+          </a:p>
+          <a:p>
+            <a:pPr marL="457200" lvl="1">
+              <a:buFont typeface="Wingdings" panose="05000000000000000000" pitchFamily="2" charset="2"/>
+            </a:pPr>
+            <a:r>
+              <a:rPr lang="it-IT" altLang="en-US" sz="1800" dirty="0">
+                <a:latin typeface="Bahnschrift SemiLight" panose="020B0502040204020203" pitchFamily="34" charset="0"/>
+              </a:rPr>
+              <a:t>SOLUTIONS:</a:t>
+            </a:r>
+            <a:endParaRPr lang="it-IT" altLang="en-US" sz="1800" dirty="0">
+              <a:latin typeface="Bahnschrift SemiLight" panose="020B0502040204020203" pitchFamily="34" charset="0"/>
+            </a:endParaRPr>
+          </a:p>
+          <a:p>
+            <a:pPr marL="457200" lvl="1">
+              <a:buFont typeface="Wingdings" panose="05000000000000000000" pitchFamily="2" charset="2"/>
+            </a:pPr>
+            <a:r>
+              <a:rPr lang="it-IT" altLang="en-US" sz="1800" dirty="0">
+                <a:latin typeface="Bahnschrift SemiLight" panose="020B0502040204020203" pitchFamily="34" charset="0"/>
+              </a:rPr>
+              <a:t>1_SOL.	Binning with centering on overall mean [or median] in more than two categories</a:t>
+            </a:r>
+            <a:endParaRPr lang="it-IT" altLang="en-US" sz="1800" dirty="0">
+              <a:latin typeface="Bahnschrift SemiLight" panose="020B0502040204020203" pitchFamily="34" charset="0"/>
+            </a:endParaRPr>
+          </a:p>
+          <a:p>
+            <a:pPr marL="457200" lvl="1">
+              <a:buFont typeface="Wingdings" panose="05000000000000000000" pitchFamily="2" charset="2"/>
+            </a:pPr>
+            <a:r>
+              <a:rPr lang="it-IT" altLang="en-US" sz="1800" dirty="0">
+                <a:latin typeface="Bahnschrift SemiLight" panose="020B0502040204020203" pitchFamily="34" charset="0"/>
+                <a:sym typeface="+mn-ea"/>
+              </a:rPr>
+              <a:t>2_SOL.	</a:t>
+            </a:r>
+            <a:r>
+              <a:rPr lang="it-IT" altLang="en-US" sz="1800" dirty="0">
+                <a:latin typeface="Bahnschrift SemiLight" panose="020B0502040204020203" pitchFamily="34" charset="0"/>
+              </a:rPr>
+              <a:t>Compute a y = alpha + beta * x ; x binned variable, using mse or R^2 to compute training and testing scores</a:t>
+            </a:r>
+            <a:endParaRPr lang="it-IT" altLang="en-US" sz="1800" dirty="0">
               <a:latin typeface="Bahnschrift SemiLight" panose="020B0502040204020203" pitchFamily="34" charset="0"/>
             </a:endParaRPr>
           </a:p>
